--- a/Presentacion.pptx
+++ b/Presentacion.pptx
@@ -167,7 +167,7 @@
           <a:noFill/>
           <a:extLst>
             <a:ext uri="{909E8E84-426E-40dd-AFC4-6F175D3DCCD1}">
-              <a14:hiddenFill xmlns="" xmlns:a14="http://schemas.microsoft.com/office/drawing/2010/main">
+              <a14:hiddenFill xmlns:a14="http://schemas.microsoft.com/office/drawing/2010/main" xmlns="">
                 <a:solidFill>
                   <a:srgbClr val="FFFFFF"/>
                 </a:solidFill>
@@ -227,7 +227,7 @@
             </a:ln>
             <a:extLst>
               <a:ext uri="{91240B29-F687-4f45-9708-019B960494DF}">
-                <a14:hiddenLine xmlns="" xmlns:a14="http://schemas.microsoft.com/office/drawing/2010/main" w="9525">
+                <a14:hiddenLine xmlns:a14="http://schemas.microsoft.com/office/drawing/2010/main" xmlns="" w="9525">
                   <a:solidFill>
                     <a:srgbClr val="000000"/>
                   </a:solidFill>
@@ -317,7 +317,7 @@
             </a:ln>
             <a:extLst>
               <a:ext uri="{91240B29-F687-4f45-9708-019B960494DF}">
-                <a14:hiddenLine xmlns="" xmlns:a14="http://schemas.microsoft.com/office/drawing/2010/main" w="9525">
+                <a14:hiddenLine xmlns:a14="http://schemas.microsoft.com/office/drawing/2010/main" xmlns="" w="9525">
                   <a:solidFill>
                     <a:srgbClr val="000000"/>
                   </a:solidFill>
@@ -407,7 +407,7 @@
             </a:ln>
             <a:extLst>
               <a:ext uri="{91240B29-F687-4f45-9708-019B960494DF}">
-                <a14:hiddenLine xmlns="" xmlns:a14="http://schemas.microsoft.com/office/drawing/2010/main" w="9525">
+                <a14:hiddenLine xmlns:a14="http://schemas.microsoft.com/office/drawing/2010/main" xmlns="" w="9525">
                   <a:solidFill>
                     <a:srgbClr val="000000"/>
                   </a:solidFill>
@@ -441,7 +441,7 @@
             </a:ln>
             <a:extLst>
               <a:ext uri="{91240B29-F687-4f45-9708-019B960494DF}">
-                <a14:hiddenLine xmlns="" xmlns:a14="http://schemas.microsoft.com/office/drawing/2010/main" w="9525">
+                <a14:hiddenLine xmlns:a14="http://schemas.microsoft.com/office/drawing/2010/main" xmlns="" w="9525">
                   <a:solidFill>
                     <a:srgbClr val="000000"/>
                   </a:solidFill>
@@ -531,7 +531,7 @@
             </a:ln>
             <a:extLst>
               <a:ext uri="{91240B29-F687-4f45-9708-019B960494DF}">
-                <a14:hiddenLine xmlns="" xmlns:a14="http://schemas.microsoft.com/office/drawing/2010/main" w="9525">
+                <a14:hiddenLine xmlns:a14="http://schemas.microsoft.com/office/drawing/2010/main" xmlns="" w="9525">
                   <a:solidFill>
                     <a:srgbClr val="000000"/>
                   </a:solidFill>
@@ -593,7 +593,7 @@
             </a:ln>
             <a:extLst>
               <a:ext uri="{91240B29-F687-4f45-9708-019B960494DF}">
-                <a14:hiddenLine xmlns="" xmlns:a14="http://schemas.microsoft.com/office/drawing/2010/main" w="9525">
+                <a14:hiddenLine xmlns:a14="http://schemas.microsoft.com/office/drawing/2010/main" xmlns="" w="9525">
                   <a:solidFill>
                     <a:srgbClr val="000000"/>
                   </a:solidFill>
@@ -655,7 +655,7 @@
             </a:ln>
             <a:extLst>
               <a:ext uri="{91240B29-F687-4f45-9708-019B960494DF}">
-                <a14:hiddenLine xmlns="" xmlns:a14="http://schemas.microsoft.com/office/drawing/2010/main" w="9525">
+                <a14:hiddenLine xmlns:a14="http://schemas.microsoft.com/office/drawing/2010/main" xmlns="" w="9525">
                   <a:solidFill>
                     <a:srgbClr val="000000"/>
                   </a:solidFill>
@@ -745,7 +745,7 @@
             </a:ln>
             <a:extLst>
               <a:ext uri="{91240B29-F687-4f45-9708-019B960494DF}">
-                <a14:hiddenLine xmlns="" xmlns:a14="http://schemas.microsoft.com/office/drawing/2010/main" w="9525">
+                <a14:hiddenLine xmlns:a14="http://schemas.microsoft.com/office/drawing/2010/main" xmlns="" w="9525">
                   <a:solidFill>
                     <a:srgbClr val="000000"/>
                   </a:solidFill>
@@ -807,7 +807,7 @@
             </a:ln>
             <a:extLst>
               <a:ext uri="{91240B29-F687-4f45-9708-019B960494DF}">
-                <a14:hiddenLine xmlns="" xmlns:a14="http://schemas.microsoft.com/office/drawing/2010/main" w="9525">
+                <a14:hiddenLine xmlns:a14="http://schemas.microsoft.com/office/drawing/2010/main" xmlns="" w="9525">
                   <a:solidFill>
                     <a:srgbClr val="000000"/>
                   </a:solidFill>
@@ -869,7 +869,7 @@
             </a:ln>
             <a:extLst>
               <a:ext uri="{91240B29-F687-4f45-9708-019B960494DF}">
-                <a14:hiddenLine xmlns="" xmlns:a14="http://schemas.microsoft.com/office/drawing/2010/main" w="9525">
+                <a14:hiddenLine xmlns:a14="http://schemas.microsoft.com/office/drawing/2010/main" xmlns="" w="9525">
                   <a:solidFill>
                     <a:srgbClr val="000000"/>
                   </a:solidFill>
@@ -959,7 +959,7 @@
             </a:ln>
             <a:extLst>
               <a:ext uri="{91240B29-F687-4f45-9708-019B960494DF}">
-                <a14:hiddenLine xmlns="" xmlns:a14="http://schemas.microsoft.com/office/drawing/2010/main" w="9525">
+                <a14:hiddenLine xmlns:a14="http://schemas.microsoft.com/office/drawing/2010/main" xmlns="" w="9525">
                   <a:solidFill>
                     <a:srgbClr val="000000"/>
                   </a:solidFill>
@@ -1049,7 +1049,7 @@
             </a:ln>
             <a:extLst>
               <a:ext uri="{91240B29-F687-4f45-9708-019B960494DF}">
-                <a14:hiddenLine xmlns="" xmlns:a14="http://schemas.microsoft.com/office/drawing/2010/main" w="9525">
+                <a14:hiddenLine xmlns:a14="http://schemas.microsoft.com/office/drawing/2010/main" xmlns="" w="9525">
                   <a:solidFill>
                     <a:srgbClr val="000000"/>
                   </a:solidFill>
@@ -1111,7 +1111,7 @@
             </a:ln>
             <a:extLst>
               <a:ext uri="{91240B29-F687-4f45-9708-019B960494DF}">
-                <a14:hiddenLine xmlns="" xmlns:a14="http://schemas.microsoft.com/office/drawing/2010/main" w="9525">
+                <a14:hiddenLine xmlns:a14="http://schemas.microsoft.com/office/drawing/2010/main" xmlns="" w="9525">
                   <a:solidFill>
                     <a:srgbClr val="000000"/>
                   </a:solidFill>
@@ -1221,7 +1221,7 @@
             </a:ln>
             <a:extLst>
               <a:ext uri="{91240B29-F687-4f45-9708-019B960494DF}">
-                <a14:hiddenLine xmlns="" xmlns:a14="http://schemas.microsoft.com/office/drawing/2010/main" w="9525">
+                <a14:hiddenLine xmlns:a14="http://schemas.microsoft.com/office/drawing/2010/main" xmlns="" w="9525">
                   <a:solidFill>
                     <a:srgbClr val="000000"/>
                   </a:solidFill>
@@ -1283,7 +1283,7 @@
             </a:ln>
             <a:extLst>
               <a:ext uri="{91240B29-F687-4f45-9708-019B960494DF}">
-                <a14:hiddenLine xmlns="" xmlns:a14="http://schemas.microsoft.com/office/drawing/2010/main" w="9525">
+                <a14:hiddenLine xmlns:a14="http://schemas.microsoft.com/office/drawing/2010/main" xmlns="" w="9525">
                   <a:solidFill>
                     <a:srgbClr val="000000"/>
                   </a:solidFill>
@@ -1373,7 +1373,7 @@
             </a:ln>
             <a:extLst>
               <a:ext uri="{91240B29-F687-4f45-9708-019B960494DF}">
-                <a14:hiddenLine xmlns="" xmlns:a14="http://schemas.microsoft.com/office/drawing/2010/main" w="9525">
+                <a14:hiddenLine xmlns:a14="http://schemas.microsoft.com/office/drawing/2010/main" xmlns="" w="9525">
                   <a:solidFill>
                     <a:srgbClr val="000000"/>
                   </a:solidFill>
@@ -1463,7 +1463,7 @@
             </a:ln>
             <a:extLst>
               <a:ext uri="{91240B29-F687-4f45-9708-019B960494DF}">
-                <a14:hiddenLine xmlns="" xmlns:a14="http://schemas.microsoft.com/office/drawing/2010/main" w="9525">
+                <a14:hiddenLine xmlns:a14="http://schemas.microsoft.com/office/drawing/2010/main" xmlns="" w="9525">
                   <a:solidFill>
                     <a:srgbClr val="000000"/>
                   </a:solidFill>
@@ -1525,7 +1525,7 @@
             </a:ln>
             <a:extLst>
               <a:ext uri="{91240B29-F687-4f45-9708-019B960494DF}">
-                <a14:hiddenLine xmlns="" xmlns:a14="http://schemas.microsoft.com/office/drawing/2010/main" w="9525">
+                <a14:hiddenLine xmlns:a14="http://schemas.microsoft.com/office/drawing/2010/main" xmlns="" w="9525">
                   <a:solidFill>
                     <a:srgbClr val="000000"/>
                   </a:solidFill>
@@ -1615,7 +1615,7 @@
             </a:ln>
             <a:extLst>
               <a:ext uri="{91240B29-F687-4f45-9708-019B960494DF}">
-                <a14:hiddenLine xmlns="" xmlns:a14="http://schemas.microsoft.com/office/drawing/2010/main" w="9525">
+                <a14:hiddenLine xmlns:a14="http://schemas.microsoft.com/office/drawing/2010/main" xmlns="" w="9525">
                   <a:solidFill>
                     <a:srgbClr val="000000"/>
                   </a:solidFill>
@@ -1705,7 +1705,7 @@
             </a:ln>
             <a:extLst>
               <a:ext uri="{91240B29-F687-4f45-9708-019B960494DF}">
-                <a14:hiddenLine xmlns="" xmlns:a14="http://schemas.microsoft.com/office/drawing/2010/main" w="9525">
+                <a14:hiddenLine xmlns:a14="http://schemas.microsoft.com/office/drawing/2010/main" xmlns="" w="9525">
                   <a:solidFill>
                     <a:srgbClr val="000000"/>
                   </a:solidFill>
@@ -1761,7 +1761,7 @@
             </a:ln>
             <a:extLst>
               <a:ext uri="{91240B29-F687-4f45-9708-019B960494DF}">
-                <a14:hiddenLine xmlns="" xmlns:a14="http://schemas.microsoft.com/office/drawing/2010/main" w="9525">
+                <a14:hiddenLine xmlns:a14="http://schemas.microsoft.com/office/drawing/2010/main" xmlns="" w="9525">
                   <a:solidFill>
                     <a:srgbClr val="000000"/>
                   </a:solidFill>
@@ -1851,7 +1851,7 @@
             </a:ln>
             <a:extLst>
               <a:ext uri="{91240B29-F687-4f45-9708-019B960494DF}">
-                <a14:hiddenLine xmlns="" xmlns:a14="http://schemas.microsoft.com/office/drawing/2010/main" w="9525">
+                <a14:hiddenLine xmlns:a14="http://schemas.microsoft.com/office/drawing/2010/main" xmlns="" w="9525">
                   <a:solidFill>
                     <a:srgbClr val="000000"/>
                   </a:solidFill>
@@ -1907,7 +1907,7 @@
             </a:ln>
             <a:extLst>
               <a:ext uri="{91240B29-F687-4f45-9708-019B960494DF}">
-                <a14:hiddenLine xmlns="" xmlns:a14="http://schemas.microsoft.com/office/drawing/2010/main" w="9525">
+                <a14:hiddenLine xmlns:a14="http://schemas.microsoft.com/office/drawing/2010/main" xmlns="" w="9525">
                   <a:solidFill>
                     <a:srgbClr val="000000"/>
                   </a:solidFill>
@@ -1997,7 +1997,7 @@
             </a:ln>
             <a:extLst>
               <a:ext uri="{91240B29-F687-4f45-9708-019B960494DF}">
-                <a14:hiddenLine xmlns="" xmlns:a14="http://schemas.microsoft.com/office/drawing/2010/main" w="9525">
+                <a14:hiddenLine xmlns:a14="http://schemas.microsoft.com/office/drawing/2010/main" xmlns="" w="9525">
                   <a:solidFill>
                     <a:srgbClr val="000000"/>
                   </a:solidFill>
@@ -2065,7 +2065,7 @@
             </a:ln>
             <a:extLst>
               <a:ext uri="{91240B29-F687-4f45-9708-019B960494DF}">
-                <a14:hiddenLine xmlns="" xmlns:a14="http://schemas.microsoft.com/office/drawing/2010/main" w="9525">
+                <a14:hiddenLine xmlns:a14="http://schemas.microsoft.com/office/drawing/2010/main" xmlns="" w="9525">
                   <a:solidFill>
                     <a:srgbClr val="000000"/>
                   </a:solidFill>
@@ -2155,7 +2155,7 @@
             </a:ln>
             <a:extLst>
               <a:ext uri="{91240B29-F687-4f45-9708-019B960494DF}">
-                <a14:hiddenLine xmlns="" xmlns:a14="http://schemas.microsoft.com/office/drawing/2010/main" w="9525">
+                <a14:hiddenLine xmlns:a14="http://schemas.microsoft.com/office/drawing/2010/main" xmlns="" w="9525">
                   <a:solidFill>
                     <a:srgbClr val="000000"/>
                   </a:solidFill>
@@ -2223,7 +2223,7 @@
             </a:ln>
             <a:extLst>
               <a:ext uri="{91240B29-F687-4f45-9708-019B960494DF}">
-                <a14:hiddenLine xmlns="" xmlns:a14="http://schemas.microsoft.com/office/drawing/2010/main" w="9525">
+                <a14:hiddenLine xmlns:a14="http://schemas.microsoft.com/office/drawing/2010/main" xmlns="" w="9525">
                   <a:solidFill>
                     <a:srgbClr val="000000"/>
                   </a:solidFill>
@@ -2313,7 +2313,7 @@
             </a:ln>
             <a:extLst>
               <a:ext uri="{91240B29-F687-4f45-9708-019B960494DF}">
-                <a14:hiddenLine xmlns="" xmlns:a14="http://schemas.microsoft.com/office/drawing/2010/main" w="9525">
+                <a14:hiddenLine xmlns:a14="http://schemas.microsoft.com/office/drawing/2010/main" xmlns="" w="9525">
                   <a:solidFill>
                     <a:srgbClr val="000000"/>
                   </a:solidFill>
@@ -2347,7 +2347,7 @@
             </a:ln>
             <a:extLst>
               <a:ext uri="{91240B29-F687-4f45-9708-019B960494DF}">
-                <a14:hiddenLine xmlns="" xmlns:a14="http://schemas.microsoft.com/office/drawing/2010/main" w="9525">
+                <a14:hiddenLine xmlns:a14="http://schemas.microsoft.com/office/drawing/2010/main" xmlns="" w="9525">
                   <a:solidFill>
                     <a:srgbClr val="000000"/>
                   </a:solidFill>
@@ -2437,7 +2437,7 @@
             </a:ln>
             <a:extLst>
               <a:ext uri="{91240B29-F687-4f45-9708-019B960494DF}">
-                <a14:hiddenLine xmlns="" xmlns:a14="http://schemas.microsoft.com/office/drawing/2010/main" w="9525">
+                <a14:hiddenLine xmlns:a14="http://schemas.microsoft.com/office/drawing/2010/main" xmlns="" w="9525">
                   <a:solidFill>
                     <a:srgbClr val="000000"/>
                   </a:solidFill>
@@ -2499,7 +2499,7 @@
             </a:ln>
             <a:extLst>
               <a:ext uri="{91240B29-F687-4f45-9708-019B960494DF}">
-                <a14:hiddenLine xmlns="" xmlns:a14="http://schemas.microsoft.com/office/drawing/2010/main" w="9525">
+                <a14:hiddenLine xmlns:a14="http://schemas.microsoft.com/office/drawing/2010/main" xmlns="" w="9525">
                   <a:solidFill>
                     <a:srgbClr val="000000"/>
                   </a:solidFill>
@@ -2561,7 +2561,7 @@
             </a:ln>
             <a:extLst>
               <a:ext uri="{91240B29-F687-4f45-9708-019B960494DF}">
-                <a14:hiddenLine xmlns="" xmlns:a14="http://schemas.microsoft.com/office/drawing/2010/main" w="9525">
+                <a14:hiddenLine xmlns:a14="http://schemas.microsoft.com/office/drawing/2010/main" xmlns="" w="9525">
                   <a:solidFill>
                     <a:srgbClr val="000000"/>
                   </a:solidFill>
@@ -2651,7 +2651,7 @@
             </a:ln>
             <a:extLst>
               <a:ext uri="{91240B29-F687-4f45-9708-019B960494DF}">
-                <a14:hiddenLine xmlns="" xmlns:a14="http://schemas.microsoft.com/office/drawing/2010/main" w="9525">
+                <a14:hiddenLine xmlns:a14="http://schemas.microsoft.com/office/drawing/2010/main" xmlns="" w="9525">
                   <a:solidFill>
                     <a:srgbClr val="000000"/>
                   </a:solidFill>
@@ -2719,7 +2719,7 @@
             </a:ln>
             <a:extLst>
               <a:ext uri="{91240B29-F687-4f45-9708-019B960494DF}">
-                <a14:hiddenLine xmlns="" xmlns:a14="http://schemas.microsoft.com/office/drawing/2010/main" w="9525">
+                <a14:hiddenLine xmlns:a14="http://schemas.microsoft.com/office/drawing/2010/main" xmlns="" w="9525">
                   <a:solidFill>
                     <a:srgbClr val="000000"/>
                   </a:solidFill>
@@ -2781,7 +2781,7 @@
             </a:ln>
             <a:extLst>
               <a:ext uri="{91240B29-F687-4f45-9708-019B960494DF}">
-                <a14:hiddenLine xmlns="" xmlns:a14="http://schemas.microsoft.com/office/drawing/2010/main" w="9525">
+                <a14:hiddenLine xmlns:a14="http://schemas.microsoft.com/office/drawing/2010/main" xmlns="" w="9525">
                   <a:solidFill>
                     <a:srgbClr val="000000"/>
                   </a:solidFill>
@@ -2871,7 +2871,7 @@
             </a:ln>
             <a:extLst>
               <a:ext uri="{91240B29-F687-4f45-9708-019B960494DF}">
-                <a14:hiddenLine xmlns="" xmlns:a14="http://schemas.microsoft.com/office/drawing/2010/main" w="9525">
+                <a14:hiddenLine xmlns:a14="http://schemas.microsoft.com/office/drawing/2010/main" xmlns="" w="9525">
                   <a:solidFill>
                     <a:srgbClr val="000000"/>
                   </a:solidFill>
@@ -2933,7 +2933,7 @@
             </a:ln>
             <a:extLst>
               <a:ext uri="{91240B29-F687-4f45-9708-019B960494DF}">
-                <a14:hiddenLine xmlns="" xmlns:a14="http://schemas.microsoft.com/office/drawing/2010/main" w="9525">
+                <a14:hiddenLine xmlns:a14="http://schemas.microsoft.com/office/drawing/2010/main" xmlns="" w="9525">
                   <a:solidFill>
                     <a:srgbClr val="000000"/>
                   </a:solidFill>
@@ -3023,7 +3023,7 @@
             </a:ln>
             <a:extLst>
               <a:ext uri="{91240B29-F687-4f45-9708-019B960494DF}">
-                <a14:hiddenLine xmlns="" xmlns:a14="http://schemas.microsoft.com/office/drawing/2010/main" w="9525">
+                <a14:hiddenLine xmlns:a14="http://schemas.microsoft.com/office/drawing/2010/main" xmlns="" w="9525">
                   <a:solidFill>
                     <a:srgbClr val="000000"/>
                   </a:solidFill>
@@ -3085,7 +3085,7 @@
             </a:ln>
             <a:extLst>
               <a:ext uri="{91240B29-F687-4f45-9708-019B960494DF}">
-                <a14:hiddenLine xmlns="" xmlns:a14="http://schemas.microsoft.com/office/drawing/2010/main" w="9525">
+                <a14:hiddenLine xmlns:a14="http://schemas.microsoft.com/office/drawing/2010/main" xmlns="" w="9525">
                   <a:solidFill>
                     <a:srgbClr val="000000"/>
                   </a:solidFill>
@@ -3175,7 +3175,7 @@
             </a:ln>
             <a:extLst>
               <a:ext uri="{91240B29-F687-4f45-9708-019B960494DF}">
-                <a14:hiddenLine xmlns="" xmlns:a14="http://schemas.microsoft.com/office/drawing/2010/main" w="9525">
+                <a14:hiddenLine xmlns:a14="http://schemas.microsoft.com/office/drawing/2010/main" xmlns="" w="9525">
                   <a:solidFill>
                     <a:srgbClr val="000000"/>
                   </a:solidFill>
@@ -3209,7 +3209,7 @@
             </a:ln>
             <a:extLst>
               <a:ext uri="{91240B29-F687-4f45-9708-019B960494DF}">
-                <a14:hiddenLine xmlns="" xmlns:a14="http://schemas.microsoft.com/office/drawing/2010/main" w="9525">
+                <a14:hiddenLine xmlns:a14="http://schemas.microsoft.com/office/drawing/2010/main" xmlns="" w="9525">
                   <a:solidFill>
                     <a:srgbClr val="000000"/>
                   </a:solidFill>
@@ -3274,7 +3274,7 @@
             </a:ln>
             <a:extLst>
               <a:ext uri="{91240B29-F687-4f45-9708-019B960494DF}">
-                <a14:hiddenLine xmlns="" xmlns:a14="http://schemas.microsoft.com/office/drawing/2010/main" w="9525">
+                <a14:hiddenLine xmlns:a14="http://schemas.microsoft.com/office/drawing/2010/main" xmlns="" w="9525">
                   <a:solidFill>
                     <a:srgbClr val="000000"/>
                   </a:solidFill>
@@ -3364,7 +3364,7 @@
             </a:ln>
             <a:extLst>
               <a:ext uri="{91240B29-F687-4f45-9708-019B960494DF}">
-                <a14:hiddenLine xmlns="" xmlns:a14="http://schemas.microsoft.com/office/drawing/2010/main" w="9525">
+                <a14:hiddenLine xmlns:a14="http://schemas.microsoft.com/office/drawing/2010/main" xmlns="" w="9525">
                   <a:solidFill>
                     <a:srgbClr val="000000"/>
                   </a:solidFill>
@@ -3426,7 +3426,7 @@
             </a:ln>
             <a:extLst>
               <a:ext uri="{91240B29-F687-4f45-9708-019B960494DF}">
-                <a14:hiddenLine xmlns="" xmlns:a14="http://schemas.microsoft.com/office/drawing/2010/main" w="9525">
+                <a14:hiddenLine xmlns:a14="http://schemas.microsoft.com/office/drawing/2010/main" xmlns="" w="9525">
                   <a:solidFill>
                     <a:srgbClr val="000000"/>
                   </a:solidFill>
@@ -3516,7 +3516,7 @@
             </a:ln>
             <a:extLst>
               <a:ext uri="{91240B29-F687-4f45-9708-019B960494DF}">
-                <a14:hiddenLine xmlns="" xmlns:a14="http://schemas.microsoft.com/office/drawing/2010/main" w="9525">
+                <a14:hiddenLine xmlns:a14="http://schemas.microsoft.com/office/drawing/2010/main" xmlns="" w="9525">
                   <a:solidFill>
                     <a:srgbClr val="000000"/>
                   </a:solidFill>
@@ -3606,7 +3606,7 @@
             </a:ln>
             <a:extLst>
               <a:ext uri="{91240B29-F687-4f45-9708-019B960494DF}">
-                <a14:hiddenLine xmlns="" xmlns:a14="http://schemas.microsoft.com/office/drawing/2010/main" w="9525">
+                <a14:hiddenLine xmlns:a14="http://schemas.microsoft.com/office/drawing/2010/main" xmlns="" w="9525">
                   <a:solidFill>
                     <a:srgbClr val="000000"/>
                   </a:solidFill>
@@ -3671,7 +3671,7 @@
             </a:ln>
             <a:extLst>
               <a:ext uri="{91240B29-F687-4f45-9708-019B960494DF}">
-                <a14:hiddenLine xmlns="" xmlns:a14="http://schemas.microsoft.com/office/drawing/2010/main" w="9525">
+                <a14:hiddenLine xmlns:a14="http://schemas.microsoft.com/office/drawing/2010/main" xmlns="" w="9525">
                   <a:solidFill>
                     <a:srgbClr val="000000"/>
                   </a:solidFill>
@@ -3733,7 +3733,7 @@
             </a:ln>
             <a:extLst>
               <a:ext uri="{91240B29-F687-4f45-9708-019B960494DF}">
-                <a14:hiddenLine xmlns="" xmlns:a14="http://schemas.microsoft.com/office/drawing/2010/main" w="9525">
+                <a14:hiddenLine xmlns:a14="http://schemas.microsoft.com/office/drawing/2010/main" xmlns="" w="9525">
                   <a:solidFill>
                     <a:srgbClr val="000000"/>
                   </a:solidFill>
@@ -3823,7 +3823,7 @@
             </a:ln>
             <a:extLst>
               <a:ext uri="{91240B29-F687-4f45-9708-019B960494DF}">
-                <a14:hiddenLine xmlns="" xmlns:a14="http://schemas.microsoft.com/office/drawing/2010/main" w="9525">
+                <a14:hiddenLine xmlns:a14="http://schemas.microsoft.com/office/drawing/2010/main" xmlns="" w="9525">
                   <a:solidFill>
                     <a:srgbClr val="000000"/>
                   </a:solidFill>
@@ -3913,7 +3913,7 @@
             </a:ln>
             <a:extLst>
               <a:ext uri="{91240B29-F687-4f45-9708-019B960494DF}">
-                <a14:hiddenLine xmlns="" xmlns:a14="http://schemas.microsoft.com/office/drawing/2010/main" w="9525">
+                <a14:hiddenLine xmlns:a14="http://schemas.microsoft.com/office/drawing/2010/main" xmlns="" w="9525">
                   <a:solidFill>
                     <a:srgbClr val="000000"/>
                   </a:solidFill>
@@ -3975,7 +3975,7 @@
             </a:ln>
             <a:extLst>
               <a:ext uri="{91240B29-F687-4f45-9708-019B960494DF}">
-                <a14:hiddenLine xmlns="" xmlns:a14="http://schemas.microsoft.com/office/drawing/2010/main" w="9525">
+                <a14:hiddenLine xmlns:a14="http://schemas.microsoft.com/office/drawing/2010/main" xmlns="" w="9525">
                   <a:solidFill>
                     <a:srgbClr val="000000"/>
                   </a:solidFill>
@@ -4095,7 +4095,7 @@
             </a:ln>
             <a:extLst>
               <a:ext uri="{91240B29-F687-4f45-9708-019B960494DF}">
-                <a14:hiddenLine xmlns="" xmlns:a14="http://schemas.microsoft.com/office/drawing/2010/main" w="9525">
+                <a14:hiddenLine xmlns:a14="http://schemas.microsoft.com/office/drawing/2010/main" xmlns="" w="9525">
                   <a:solidFill>
                     <a:srgbClr val="000000"/>
                   </a:solidFill>
@@ -4163,7 +4163,7 @@
             </a:ln>
             <a:extLst>
               <a:ext uri="{91240B29-F687-4f45-9708-019B960494DF}">
-                <a14:hiddenLine xmlns="" xmlns:a14="http://schemas.microsoft.com/office/drawing/2010/main" w="9525">
+                <a14:hiddenLine xmlns:a14="http://schemas.microsoft.com/office/drawing/2010/main" xmlns="" w="9525">
                   <a:solidFill>
                     <a:srgbClr val="000000"/>
                   </a:solidFill>
@@ -4253,7 +4253,7 @@
             </a:ln>
             <a:extLst>
               <a:ext uri="{91240B29-F687-4f45-9708-019B960494DF}">
-                <a14:hiddenLine xmlns="" xmlns:a14="http://schemas.microsoft.com/office/drawing/2010/main" w="9525">
+                <a14:hiddenLine xmlns:a14="http://schemas.microsoft.com/office/drawing/2010/main" xmlns="" w="9525">
                   <a:solidFill>
                     <a:srgbClr val="000000"/>
                   </a:solidFill>
@@ -9060,7 +9060,7 @@
           <a:noFill/>
           <a:extLst>
             <a:ext uri="{909E8E84-426E-40dd-AFC4-6F175D3DCCD1}">
-              <a14:hiddenFill xmlns="" xmlns:a14="http://schemas.microsoft.com/office/drawing/2010/main">
+              <a14:hiddenFill xmlns:a14="http://schemas.microsoft.com/office/drawing/2010/main" xmlns="">
                 <a:solidFill>
                   <a:srgbClr val="FFFFFF"/>
                 </a:solidFill>
@@ -9134,7 +9134,7 @@
               </a:ln>
               <a:extLst>
                 <a:ext uri="{91240B29-F687-4f45-9708-019B960494DF}">
-                  <a14:hiddenLine xmlns="" xmlns:a14="http://schemas.microsoft.com/office/drawing/2010/main" w="9525">
+                  <a14:hiddenLine xmlns:a14="http://schemas.microsoft.com/office/drawing/2010/main" xmlns="" w="9525">
                     <a:solidFill>
                       <a:srgbClr val="000000"/>
                     </a:solidFill>
@@ -9224,7 +9224,7 @@
               </a:ln>
               <a:extLst>
                 <a:ext uri="{91240B29-F687-4f45-9708-019B960494DF}">
-                  <a14:hiddenLine xmlns="" xmlns:a14="http://schemas.microsoft.com/office/drawing/2010/main" w="9525">
+                  <a14:hiddenLine xmlns:a14="http://schemas.microsoft.com/office/drawing/2010/main" xmlns="" w="9525">
                     <a:solidFill>
                       <a:srgbClr val="000000"/>
                     </a:solidFill>
@@ -9314,7 +9314,7 @@
               </a:ln>
               <a:extLst>
                 <a:ext uri="{91240B29-F687-4f45-9708-019B960494DF}">
-                  <a14:hiddenLine xmlns="" xmlns:a14="http://schemas.microsoft.com/office/drawing/2010/main" w="9525">
+                  <a14:hiddenLine xmlns:a14="http://schemas.microsoft.com/office/drawing/2010/main" xmlns="" w="9525">
                     <a:solidFill>
                       <a:srgbClr val="000000"/>
                     </a:solidFill>
@@ -9376,7 +9376,7 @@
               </a:ln>
               <a:extLst>
                 <a:ext uri="{91240B29-F687-4f45-9708-019B960494DF}">
-                  <a14:hiddenLine xmlns="" xmlns:a14="http://schemas.microsoft.com/office/drawing/2010/main" w="9525">
+                  <a14:hiddenLine xmlns:a14="http://schemas.microsoft.com/office/drawing/2010/main" xmlns="" w="9525">
                     <a:solidFill>
                       <a:srgbClr val="000000"/>
                     </a:solidFill>
@@ -9466,7 +9466,7 @@
               </a:ln>
               <a:extLst>
                 <a:ext uri="{91240B29-F687-4f45-9708-019B960494DF}">
-                  <a14:hiddenLine xmlns="" xmlns:a14="http://schemas.microsoft.com/office/drawing/2010/main" w="9525">
+                  <a14:hiddenLine xmlns:a14="http://schemas.microsoft.com/office/drawing/2010/main" xmlns="" w="9525">
                     <a:solidFill>
                       <a:srgbClr val="000000"/>
                     </a:solidFill>
@@ -9528,7 +9528,7 @@
               </a:ln>
               <a:extLst>
                 <a:ext uri="{91240B29-F687-4f45-9708-019B960494DF}">
-                  <a14:hiddenLine xmlns="" xmlns:a14="http://schemas.microsoft.com/office/drawing/2010/main" w="9525">
+                  <a14:hiddenLine xmlns:a14="http://schemas.microsoft.com/office/drawing/2010/main" xmlns="" w="9525">
                     <a:solidFill>
                       <a:srgbClr val="000000"/>
                     </a:solidFill>
@@ -9590,7 +9590,7 @@
               </a:ln>
               <a:extLst>
                 <a:ext uri="{91240B29-F687-4f45-9708-019B960494DF}">
-                  <a14:hiddenLine xmlns="" xmlns:a14="http://schemas.microsoft.com/office/drawing/2010/main" w="9525">
+                  <a14:hiddenLine xmlns:a14="http://schemas.microsoft.com/office/drawing/2010/main" xmlns="" w="9525">
                     <a:solidFill>
                       <a:srgbClr val="000000"/>
                     </a:solidFill>
@@ -9680,7 +9680,7 @@
               </a:ln>
               <a:extLst>
                 <a:ext uri="{91240B29-F687-4f45-9708-019B960494DF}">
-                  <a14:hiddenLine xmlns="" xmlns:a14="http://schemas.microsoft.com/office/drawing/2010/main" w="9525">
+                  <a14:hiddenLine xmlns:a14="http://schemas.microsoft.com/office/drawing/2010/main" xmlns="" w="9525">
                     <a:solidFill>
                       <a:srgbClr val="000000"/>
                     </a:solidFill>
@@ -9770,7 +9770,7 @@
               </a:ln>
               <a:extLst>
                 <a:ext uri="{91240B29-F687-4f45-9708-019B960494DF}">
-                  <a14:hiddenLine xmlns="" xmlns:a14="http://schemas.microsoft.com/office/drawing/2010/main" w="9525">
+                  <a14:hiddenLine xmlns:a14="http://schemas.microsoft.com/office/drawing/2010/main" xmlns="" w="9525">
                     <a:solidFill>
                       <a:srgbClr val="000000"/>
                     </a:solidFill>
@@ -9832,7 +9832,7 @@
               </a:ln>
               <a:extLst>
                 <a:ext uri="{91240B29-F687-4f45-9708-019B960494DF}">
-                  <a14:hiddenLine xmlns="" xmlns:a14="http://schemas.microsoft.com/office/drawing/2010/main" w="9525">
+                  <a14:hiddenLine xmlns:a14="http://schemas.microsoft.com/office/drawing/2010/main" xmlns="" w="9525">
                     <a:solidFill>
                       <a:srgbClr val="000000"/>
                     </a:solidFill>
@@ -9942,7 +9942,7 @@
               </a:ln>
               <a:extLst>
                 <a:ext uri="{91240B29-F687-4f45-9708-019B960494DF}">
-                  <a14:hiddenLine xmlns="" xmlns:a14="http://schemas.microsoft.com/office/drawing/2010/main" w="9525">
+                  <a14:hiddenLine xmlns:a14="http://schemas.microsoft.com/office/drawing/2010/main" xmlns="" w="9525">
                     <a:solidFill>
                       <a:srgbClr val="000000"/>
                     </a:solidFill>
@@ -10026,7 +10026,7 @@
               </a:ln>
               <a:extLst>
                 <a:ext uri="{91240B29-F687-4f45-9708-019B960494DF}">
-                  <a14:hiddenLine xmlns="" xmlns:a14="http://schemas.microsoft.com/office/drawing/2010/main" w="9525">
+                  <a14:hiddenLine xmlns:a14="http://schemas.microsoft.com/office/drawing/2010/main" xmlns="" w="9525">
                     <a:solidFill>
                       <a:srgbClr val="000000"/>
                     </a:solidFill>
@@ -10088,7 +10088,7 @@
               </a:ln>
               <a:extLst>
                 <a:ext uri="{91240B29-F687-4f45-9708-019B960494DF}">
-                  <a14:hiddenLine xmlns="" xmlns:a14="http://schemas.microsoft.com/office/drawing/2010/main" w="9525">
+                  <a14:hiddenLine xmlns:a14="http://schemas.microsoft.com/office/drawing/2010/main" xmlns="" w="9525">
                     <a:solidFill>
                       <a:srgbClr val="000000"/>
                     </a:solidFill>
@@ -10150,7 +10150,7 @@
               </a:ln>
               <a:extLst>
                 <a:ext uri="{91240B29-F687-4f45-9708-019B960494DF}">
-                  <a14:hiddenLine xmlns="" xmlns:a14="http://schemas.microsoft.com/office/drawing/2010/main" w="9525">
+                  <a14:hiddenLine xmlns:a14="http://schemas.microsoft.com/office/drawing/2010/main" xmlns="" w="9525">
                     <a:solidFill>
                       <a:srgbClr val="000000"/>
                     </a:solidFill>
@@ -10240,7 +10240,7 @@
               </a:ln>
               <a:extLst>
                 <a:ext uri="{91240B29-F687-4f45-9708-019B960494DF}">
-                  <a14:hiddenLine xmlns="" xmlns:a14="http://schemas.microsoft.com/office/drawing/2010/main" w="9525">
+                  <a14:hiddenLine xmlns:a14="http://schemas.microsoft.com/office/drawing/2010/main" xmlns="" w="9525">
                     <a:solidFill>
                       <a:srgbClr val="000000"/>
                     </a:solidFill>
@@ -10274,7 +10274,7 @@
               </a:ln>
               <a:extLst>
                 <a:ext uri="{91240B29-F687-4f45-9708-019B960494DF}">
-                  <a14:hiddenLine xmlns="" xmlns:a14="http://schemas.microsoft.com/office/drawing/2010/main" w="9525">
+                  <a14:hiddenLine xmlns:a14="http://schemas.microsoft.com/office/drawing/2010/main" xmlns="" w="9525">
                     <a:solidFill>
                       <a:srgbClr val="000000"/>
                     </a:solidFill>
@@ -10339,7 +10339,7 @@
               </a:ln>
               <a:extLst>
                 <a:ext uri="{91240B29-F687-4f45-9708-019B960494DF}">
-                  <a14:hiddenLine xmlns="" xmlns:a14="http://schemas.microsoft.com/office/drawing/2010/main" w="9525">
+                  <a14:hiddenLine xmlns:a14="http://schemas.microsoft.com/office/drawing/2010/main" xmlns="" w="9525">
                     <a:solidFill>
                       <a:srgbClr val="000000"/>
                     </a:solidFill>
@@ -10429,7 +10429,7 @@
               </a:ln>
               <a:extLst>
                 <a:ext uri="{91240B29-F687-4f45-9708-019B960494DF}">
-                  <a14:hiddenLine xmlns="" xmlns:a14="http://schemas.microsoft.com/office/drawing/2010/main" w="9525">
+                  <a14:hiddenLine xmlns:a14="http://schemas.microsoft.com/office/drawing/2010/main" xmlns="" w="9525">
                     <a:solidFill>
                       <a:srgbClr val="000000"/>
                     </a:solidFill>
@@ -10491,7 +10491,7 @@
               </a:ln>
               <a:extLst>
                 <a:ext uri="{91240B29-F687-4f45-9708-019B960494DF}">
-                  <a14:hiddenLine xmlns="" xmlns:a14="http://schemas.microsoft.com/office/drawing/2010/main" w="9525">
+                  <a14:hiddenLine xmlns:a14="http://schemas.microsoft.com/office/drawing/2010/main" xmlns="" w="9525">
                     <a:solidFill>
                       <a:srgbClr val="000000"/>
                     </a:solidFill>
@@ -10581,7 +10581,7 @@
               </a:ln>
               <a:extLst>
                 <a:ext uri="{91240B29-F687-4f45-9708-019B960494DF}">
-                  <a14:hiddenLine xmlns="" xmlns:a14="http://schemas.microsoft.com/office/drawing/2010/main" w="9525">
+                  <a14:hiddenLine xmlns:a14="http://schemas.microsoft.com/office/drawing/2010/main" xmlns="" w="9525">
                     <a:solidFill>
                       <a:srgbClr val="000000"/>
                     </a:solidFill>
@@ -10646,7 +10646,7 @@
               </a:ln>
               <a:extLst>
                 <a:ext uri="{91240B29-F687-4f45-9708-019B960494DF}">
-                  <a14:hiddenLine xmlns="" xmlns:a14="http://schemas.microsoft.com/office/drawing/2010/main" w="9525">
+                  <a14:hiddenLine xmlns:a14="http://schemas.microsoft.com/office/drawing/2010/main" xmlns="" w="9525">
                     <a:solidFill>
                       <a:srgbClr val="000000"/>
                     </a:solidFill>
@@ -10708,7 +10708,7 @@
               </a:ln>
               <a:extLst>
                 <a:ext uri="{91240B29-F687-4f45-9708-019B960494DF}">
-                  <a14:hiddenLine xmlns="" xmlns:a14="http://schemas.microsoft.com/office/drawing/2010/main" w="9525">
+                  <a14:hiddenLine xmlns:a14="http://schemas.microsoft.com/office/drawing/2010/main" xmlns="" w="9525">
                     <a:solidFill>
                       <a:srgbClr val="000000"/>
                     </a:solidFill>
@@ -10798,7 +10798,7 @@
               </a:ln>
               <a:extLst>
                 <a:ext uri="{91240B29-F687-4f45-9708-019B960494DF}">
-                  <a14:hiddenLine xmlns="" xmlns:a14="http://schemas.microsoft.com/office/drawing/2010/main" w="9525">
+                  <a14:hiddenLine xmlns:a14="http://schemas.microsoft.com/office/drawing/2010/main" xmlns="" w="9525">
                     <a:solidFill>
                       <a:srgbClr val="000000"/>
                     </a:solidFill>
@@ -10888,7 +10888,7 @@
               </a:ln>
               <a:extLst>
                 <a:ext uri="{91240B29-F687-4f45-9708-019B960494DF}">
-                  <a14:hiddenLine xmlns="" xmlns:a14="http://schemas.microsoft.com/office/drawing/2010/main" w="9525">
+                  <a14:hiddenLine xmlns:a14="http://schemas.microsoft.com/office/drawing/2010/main" xmlns="" w="9525">
                     <a:solidFill>
                       <a:srgbClr val="000000"/>
                     </a:solidFill>
@@ -10953,7 +10953,7 @@
               </a:ln>
               <a:extLst>
                 <a:ext uri="{91240B29-F687-4f45-9708-019B960494DF}">
-                  <a14:hiddenLine xmlns="" xmlns:a14="http://schemas.microsoft.com/office/drawing/2010/main" w="9525">
+                  <a14:hiddenLine xmlns:a14="http://schemas.microsoft.com/office/drawing/2010/main" xmlns="" w="9525">
                     <a:solidFill>
                       <a:srgbClr val="000000"/>
                     </a:solidFill>
@@ -11073,7 +11073,7 @@
               </a:ln>
               <a:extLst>
                 <a:ext uri="{91240B29-F687-4f45-9708-019B960494DF}">
-                  <a14:hiddenLine xmlns="" xmlns:a14="http://schemas.microsoft.com/office/drawing/2010/main" w="9525">
+                  <a14:hiddenLine xmlns:a14="http://schemas.microsoft.com/office/drawing/2010/main" xmlns="" w="9525">
                     <a:solidFill>
                       <a:srgbClr val="000000"/>
                     </a:solidFill>
@@ -11171,7 +11171,7 @@
               </a:ln>
               <a:extLst>
                 <a:ext uri="{91240B29-F687-4f45-9708-019B960494DF}">
-                  <a14:hiddenLine xmlns="" xmlns:a14="http://schemas.microsoft.com/office/drawing/2010/main" w="9525">
+                  <a14:hiddenLine xmlns:a14="http://schemas.microsoft.com/office/drawing/2010/main" xmlns="" w="9525">
                     <a:solidFill>
                       <a:srgbClr val="000000"/>
                     </a:solidFill>
@@ -11286,7 +11286,7 @@
               </a:ln>
               <a:extLst>
                 <a:ext uri="{91240B29-F687-4f45-9708-019B960494DF}">
-                  <a14:hiddenLine xmlns="" xmlns:a14="http://schemas.microsoft.com/office/drawing/2010/main" w="9525">
+                  <a14:hiddenLine xmlns:a14="http://schemas.microsoft.com/office/drawing/2010/main" xmlns="" w="9525">
                     <a:solidFill>
                       <a:srgbClr val="000000"/>
                     </a:solidFill>
@@ -11376,7 +11376,7 @@
               </a:ln>
               <a:extLst>
                 <a:ext uri="{91240B29-F687-4f45-9708-019B960494DF}">
-                  <a14:hiddenLine xmlns="" xmlns:a14="http://schemas.microsoft.com/office/drawing/2010/main" w="9525">
+                  <a14:hiddenLine xmlns:a14="http://schemas.microsoft.com/office/drawing/2010/main" xmlns="" w="9525">
                     <a:solidFill>
                       <a:srgbClr val="000000"/>
                     </a:solidFill>
@@ -11441,7 +11441,7 @@
               </a:ln>
               <a:extLst>
                 <a:ext uri="{91240B29-F687-4f45-9708-019B960494DF}">
-                  <a14:hiddenLine xmlns="" xmlns:a14="http://schemas.microsoft.com/office/drawing/2010/main" w="9525">
+                  <a14:hiddenLine xmlns:a14="http://schemas.microsoft.com/office/drawing/2010/main" xmlns="" w="9525">
                     <a:solidFill>
                       <a:srgbClr val="000000"/>
                     </a:solidFill>
@@ -11531,7 +11531,7 @@
               </a:ln>
               <a:extLst>
                 <a:ext uri="{91240B29-F687-4f45-9708-019B960494DF}">
-                  <a14:hiddenLine xmlns="" xmlns:a14="http://schemas.microsoft.com/office/drawing/2010/main" w="9525">
+                  <a14:hiddenLine xmlns:a14="http://schemas.microsoft.com/office/drawing/2010/main" xmlns="" w="9525">
                     <a:solidFill>
                       <a:srgbClr val="000000"/>
                     </a:solidFill>
@@ -11599,7 +11599,7 @@
               </a:ln>
               <a:extLst>
                 <a:ext uri="{91240B29-F687-4f45-9708-019B960494DF}">
-                  <a14:hiddenLine xmlns="" xmlns:a14="http://schemas.microsoft.com/office/drawing/2010/main" w="9525">
+                  <a14:hiddenLine xmlns:a14="http://schemas.microsoft.com/office/drawing/2010/main" xmlns="" w="9525">
                     <a:solidFill>
                       <a:srgbClr val="000000"/>
                     </a:solidFill>
@@ -11689,7 +11689,7 @@
               </a:ln>
               <a:extLst>
                 <a:ext uri="{91240B29-F687-4f45-9708-019B960494DF}">
-                  <a14:hiddenLine xmlns="" xmlns:a14="http://schemas.microsoft.com/office/drawing/2010/main" w="9525">
+                  <a14:hiddenLine xmlns:a14="http://schemas.microsoft.com/office/drawing/2010/main" xmlns="" w="9525">
                     <a:solidFill>
                       <a:srgbClr val="000000"/>
                     </a:solidFill>
@@ -11757,7 +11757,7 @@
               </a:ln>
               <a:extLst>
                 <a:ext uri="{91240B29-F687-4f45-9708-019B960494DF}">
-                  <a14:hiddenLine xmlns="" xmlns:a14="http://schemas.microsoft.com/office/drawing/2010/main" w="9525">
+                  <a14:hiddenLine xmlns:a14="http://schemas.microsoft.com/office/drawing/2010/main" xmlns="" w="9525">
                     <a:solidFill>
                       <a:srgbClr val="000000"/>
                     </a:solidFill>
@@ -11847,7 +11847,7 @@
               </a:ln>
               <a:extLst>
                 <a:ext uri="{91240B29-F687-4f45-9708-019B960494DF}">
-                  <a14:hiddenLine xmlns="" xmlns:a14="http://schemas.microsoft.com/office/drawing/2010/main" w="9525">
+                  <a14:hiddenLine xmlns:a14="http://schemas.microsoft.com/office/drawing/2010/main" xmlns="" w="9525">
                     <a:solidFill>
                       <a:srgbClr val="000000"/>
                     </a:solidFill>
@@ -11881,7 +11881,7 @@
               </a:ln>
               <a:extLst>
                 <a:ext uri="{91240B29-F687-4f45-9708-019B960494DF}">
-                  <a14:hiddenLine xmlns="" xmlns:a14="http://schemas.microsoft.com/office/drawing/2010/main" w="9525">
+                  <a14:hiddenLine xmlns:a14="http://schemas.microsoft.com/office/drawing/2010/main" xmlns="" w="9525">
                     <a:solidFill>
                       <a:srgbClr val="000000"/>
                     </a:solidFill>
@@ -12865,69 +12865,39 @@
           <a:chExt cx="0" cy="0"/>
         </a:xfrm>
       </p:grpSpPr>
-      <p:sp>
-        <p:nvSpPr>
-          <p:cNvPr id="5" name="Marcador de contenido 4">
+      <p:pic>
+        <p:nvPicPr>
+          <p:cNvPr id="2" name="Elementos multimedia en línea 1" title="MAD03.DOLOR LUMINARIA | SIA">
+            <a:hlinkClick r:id="" action="ppaction://media"/>
             <a:extLst>
               <a:ext uri="{FF2B5EF4-FFF2-40B4-BE49-F238E27FC236}">
-                <a16:creationId xmlns:a16="http://schemas.microsoft.com/office/drawing/2014/main" id="{E5381DC9-98A7-111A-409F-7614852A96D7}"/>
+                <a16:creationId xmlns:a16="http://schemas.microsoft.com/office/drawing/2014/main" id="{B8D7AADF-626B-AE59-9D93-F1390F643BAF}"/>
               </a:ext>
             </a:extLst>
           </p:cNvPr>
-          <p:cNvSpPr>
-            <a:spLocks noGrp="1"/>
-          </p:cNvSpPr>
+          <p:cNvPicPr>
+            <a:picLocks noRot="1" noChangeAspect="1"/>
+          </p:cNvPicPr>
           <p:nvPr>
-            <p:ph idx="1"/>
+            <a:videoFile r:link="rId1"/>
           </p:nvPr>
-        </p:nvSpPr>
-        <p:spPr/>
-        <p:txBody>
-          <a:bodyPr/>
-          <a:lstStyle/>
-          <a:p>
-            <a:endParaRPr lang="es-ES" dirty="0"/>
-          </a:p>
-        </p:txBody>
-      </p:sp>
-      <p:sp>
-        <p:nvSpPr>
-          <p:cNvPr id="7" name="CuadroTexto 6">
-            <a:extLst>
-              <a:ext uri="{FF2B5EF4-FFF2-40B4-BE49-F238E27FC236}">
-                <a16:creationId xmlns:a16="http://schemas.microsoft.com/office/drawing/2014/main" id="{52DC4D24-763E-CA1E-2423-5F666AE6EAEC}"/>
-              </a:ext>
-            </a:extLst>
-          </p:cNvPr>
-          <p:cNvSpPr txBox="1"/>
-          <p:nvPr/>
-        </p:nvSpPr>
+        </p:nvPicPr>
+        <p:blipFill>
+          <a:blip r:embed="rId3"/>
+          <a:stretch>
+            <a:fillRect/>
+          </a:stretch>
+        </p:blipFill>
         <p:spPr>
           <a:xfrm>
-            <a:off x="3035969" y="3248344"/>
-            <a:ext cx="6104020" cy="369332"/>
+            <a:off x="680954" y="369499"/>
+            <a:ext cx="10830092" cy="6119001"/>
           </a:xfrm>
           <a:prstGeom prst="rect">
             <a:avLst/>
           </a:prstGeom>
-          <a:noFill/>
         </p:spPr>
-        <p:txBody>
-          <a:bodyPr wrap="square">
-            <a:spAutoFit/>
-          </a:bodyPr>
-          <a:lstStyle/>
-          <a:p>
-            <a:r>
-              <a:rPr lang="es-ES" dirty="0">
-                <a:hlinkClick r:id="rId2" tooltip="https://youtu.be/sBBjgOlI5Ro"/>
-              </a:rPr>
-              <a:t>https://youtu.be/sBBjgOlI5Ro</a:t>
-            </a:r>
-            <a:endParaRPr lang="es-ES" dirty="0"/>
-          </a:p>
-        </p:txBody>
-      </p:sp>
+      </p:pic>
     </p:spTree>
     <p:extLst>
       <p:ext uri="{BB962C8B-B14F-4D97-AF65-F5344CB8AC3E}">
@@ -12938,6 +12908,141 @@
   <p:clrMapOvr>
     <a:masterClrMapping/>
   </p:clrMapOvr>
+  <p:timing>
+    <p:tnLst>
+      <p:par>
+        <p:cTn id="1" dur="indefinite" restart="never" nodeType="tmRoot">
+          <p:childTnLst>
+            <p:seq concurrent="1" nextAc="seek">
+              <p:cTn id="2" dur="indefinite" nodeType="mainSeq">
+                <p:childTnLst>
+                  <p:par>
+                    <p:cTn id="3" fill="hold">
+                      <p:stCondLst>
+                        <p:cond delay="indefinite"/>
+                      </p:stCondLst>
+                      <p:childTnLst>
+                        <p:par>
+                          <p:cTn id="4" fill="hold">
+                            <p:stCondLst>
+                              <p:cond delay="0"/>
+                            </p:stCondLst>
+                            <p:childTnLst>
+                              <p:par>
+                                <p:cTn id="5" presetID="1" presetClass="mediacall" presetSubtype="0" fill="hold" nodeType="clickEffect">
+                                  <p:stCondLst>
+                                    <p:cond delay="0"/>
+                                  </p:stCondLst>
+                                  <p:childTnLst>
+                                    <p:cmd type="call" cmd="playFrom(0.0)">
+                                      <p:cBhvr>
+                                        <p:cTn id="6" dur="1" fill="hold"/>
+                                        <p:tgtEl>
+                                          <p:spTgt spid="2"/>
+                                        </p:tgtEl>
+                                      </p:cBhvr>
+                                    </p:cmd>
+                                  </p:childTnLst>
+                                </p:cTn>
+                              </p:par>
+                            </p:childTnLst>
+                          </p:cTn>
+                        </p:par>
+                      </p:childTnLst>
+                    </p:cTn>
+                  </p:par>
+                </p:childTnLst>
+              </p:cTn>
+              <p:prevCondLst>
+                <p:cond evt="onPrev" delay="0">
+                  <p:tgtEl>
+                    <p:sldTgt/>
+                  </p:tgtEl>
+                </p:cond>
+              </p:prevCondLst>
+              <p:nextCondLst>
+                <p:cond evt="onNext" delay="0">
+                  <p:tgtEl>
+                    <p:sldTgt/>
+                  </p:tgtEl>
+                </p:cond>
+              </p:nextCondLst>
+            </p:seq>
+            <p:video>
+              <p:cMediaNode vol="80000">
+                <p:cTn id="7" fill="hold" display="0">
+                  <p:stCondLst>
+                    <p:cond delay="indefinite"/>
+                  </p:stCondLst>
+                </p:cTn>
+                <p:tgtEl>
+                  <p:spTgt spid="2"/>
+                </p:tgtEl>
+              </p:cMediaNode>
+            </p:video>
+            <p:seq concurrent="1" nextAc="seek">
+              <p:cTn id="8" restart="whenNotActive" fill="hold" evtFilter="cancelBubble" nodeType="interactiveSeq">
+                <p:stCondLst>
+                  <p:cond evt="onClick" delay="0">
+                    <p:tgtEl>
+                      <p:spTgt spid="2"/>
+                    </p:tgtEl>
+                  </p:cond>
+                </p:stCondLst>
+                <p:endSync evt="end" delay="0">
+                  <p:rtn val="all"/>
+                </p:endSync>
+                <p:childTnLst>
+                  <p:par>
+                    <p:cTn id="9" fill="hold">
+                      <p:stCondLst>
+                        <p:cond delay="0"/>
+                      </p:stCondLst>
+                      <p:childTnLst>
+                        <p:par>
+                          <p:cTn id="10" fill="hold">
+                            <p:stCondLst>
+                              <p:cond delay="0"/>
+                            </p:stCondLst>
+                            <p:childTnLst>
+                              <p:par>
+                                <p:cTn id="11" presetID="2" presetClass="mediacall" presetSubtype="0" fill="hold" nodeType="clickEffect">
+                                  <p:stCondLst>
+                                    <p:cond delay="0"/>
+                                  </p:stCondLst>
+                                  <p:childTnLst>
+                                    <p:cmd type="call" cmd="togglePause">
+                                      <p:cBhvr>
+                                        <p:cTn id="12" dur="1" fill="hold"/>
+                                        <p:tgtEl>
+                                          <p:spTgt spid="2"/>
+                                        </p:tgtEl>
+                                      </p:cBhvr>
+                                    </p:cmd>
+                                  </p:childTnLst>
+                                </p:cTn>
+                              </p:par>
+                            </p:childTnLst>
+                          </p:cTn>
+                        </p:par>
+                      </p:childTnLst>
+                    </p:cTn>
+                  </p:par>
+                </p:childTnLst>
+              </p:cTn>
+              <p:nextCondLst>
+                <p:cond evt="onClick" delay="0">
+                  <p:tgtEl>
+                    <p:spTgt spid="2"/>
+                  </p:tgtEl>
+                </p:cond>
+              </p:nextCondLst>
+            </p:seq>
+          </p:childTnLst>
+        </p:cTn>
+      </p:par>
+    </p:tnLst>
+  </p:timing>
 </p:sld>
 </file>
 
